--- a/Poster.pptx
+++ b/Poster.pptx
@@ -3141,7 +3141,7 @@
           <a:p>
             <a:r>
               <a:rPr lang="en-US" sz="3333" dirty="0"/>
-              <a:t>Here, we present an improved algorithm, called G-means, for learning the value of k while clustering</a:t>
+              <a:t>Here, we explore an improved algorithm, called G-means, for learning the value of k while clustering</a:t>
             </a:r>
           </a:p>
           <a:p>
@@ -3155,8 +3155,8 @@
           </a:p>
         </p:txBody>
       </p:sp>
-      <mc:AlternateContent xmlns:mc="http://schemas.openxmlformats.org/markup-compatibility/2006">
-        <mc:Choice xmlns:a14="http://schemas.microsoft.com/office/drawing/2010/main" Requires="a14">
+      <mc:AlternateContent xmlns:mc="http://schemas.openxmlformats.org/markup-compatibility/2006" xmlns:a14="http://schemas.microsoft.com/office/drawing/2010/main">
+        <mc:Choice Requires="a14">
           <p:sp>
             <p:nvSpPr>
               <p:cNvPr id="19" name="TextBox 18"/>
@@ -3264,7 +3264,7 @@
             </p:txBody>
           </p:sp>
         </mc:Choice>
-        <mc:Fallback>
+        <mc:Fallback xmlns="">
           <p:sp>
             <p:nvSpPr>
               <p:cNvPr id="19" name="TextBox 18"/>
@@ -3312,7 +3312,7 @@
         <p:spPr>
           <a:xfrm>
             <a:off x="1300782" y="18286343"/>
-            <a:ext cx="7595453" cy="7272888"/>
+            <a:ext cx="7595453" cy="7426777"/>
           </a:xfrm>
           <a:prstGeom prst="rect">
             <a:avLst/>
@@ -3360,6 +3360,12 @@
           </a:p>
           <a:p>
             <a:pPr marL="457200" indent="-457200">
+              <a:spcBef>
+                <a:spcPts val="600"/>
+              </a:spcBef>
+              <a:spcAft>
+                <a:spcPts val="600"/>
+              </a:spcAft>
               <a:buFont typeface="Arial" panose="020B0604020202020204" pitchFamily="34" charset="0"/>
               <a:buChar char="•"/>
             </a:pPr>
@@ -3641,7 +3647,15 @@
                 </a:pPr>
                 <a:r>
                   <a:rPr lang="en-US" sz="3333" dirty="0"/>
-                  <a:t>Perform Anderson-Darling test:</a:t>
+                  <a:t>Perform </a:t>
+                </a:r>
+                <a:r>
+                  <a:rPr lang="en-US" sz="3333" b="1" dirty="0"/>
+                  <a:t>Anderson-Darling</a:t>
+                </a:r>
+                <a:r>
+                  <a:rPr lang="en-US" sz="3333" dirty="0"/>
+                  <a:t> test:</a:t>
                 </a:r>
               </a:p>
               <a:p>
@@ -3665,7 +3679,9 @@
                       <m:sSup>
                         <m:sSupPr>
                           <m:ctrlPr>
-                            <a:rPr lang="en-US" sz="3333"/>
+                            <a:rPr lang="en-US" sz="3333" i="1">
+                              <a:latin typeface="Cambria Math" panose="02040503050406030204" pitchFamily="18" charset="0"/>
+                            </a:rPr>
                           </m:ctrlPr>
                         </m:sSupPr>
                         <m:e>
@@ -3673,13 +3689,17 @@
                             <m:rPr>
                               <m:sty m:val="p"/>
                             </m:rPr>
-                            <a:rPr lang="en-US" sz="3333"/>
+                            <a:rPr lang="en-US" sz="3333">
+                              <a:latin typeface="Cambria Math" panose="02040503050406030204" pitchFamily="18" charset="0"/>
+                            </a:rPr>
                             <m:t>A</m:t>
                           </m:r>
                         </m:e>
                         <m:sup>
                           <m:r>
-                            <a:rPr lang="en-US" sz="3333"/>
+                            <a:rPr lang="en-US" sz="3333">
+                              <a:latin typeface="Cambria Math" panose="02040503050406030204" pitchFamily="18" charset="0"/>
+                            </a:rPr>
                             <m:t>2</m:t>
                           </m:r>
                         </m:sup>
@@ -3687,7 +3707,9 @@
                       <m:d>
                         <m:dPr>
                           <m:ctrlPr>
-                            <a:rPr lang="en-US" sz="3333"/>
+                            <a:rPr lang="en-US" sz="3333" i="1">
+                              <a:latin typeface="Cambria Math" panose="02040503050406030204" pitchFamily="18" charset="0"/>
+                            </a:rPr>
                           </m:ctrlPr>
                         </m:dPr>
                         <m:e>
@@ -3695,24 +3717,32 @@
                             <m:rPr>
                               <m:sty m:val="p"/>
                             </m:rPr>
-                            <a:rPr lang="en-US" sz="3333"/>
+                            <a:rPr lang="en-US" sz="3333">
+                              <a:latin typeface="Cambria Math" panose="02040503050406030204" pitchFamily="18" charset="0"/>
+                            </a:rPr>
                             <m:t>Z</m:t>
                           </m:r>
                         </m:e>
                       </m:d>
                       <m:r>
-                        <a:rPr lang="en-US" sz="3333"/>
+                        <a:rPr lang="en-US" sz="3333">
+                          <a:latin typeface="Cambria Math" panose="02040503050406030204" pitchFamily="18" charset="0"/>
+                        </a:rPr>
                         <m:t>=</m:t>
                       </m:r>
                       <m:f>
                         <m:fPr>
                           <m:ctrlPr>
-                            <a:rPr lang="en-US" sz="3333"/>
+                            <a:rPr lang="en-US" sz="3333" i="1">
+                              <a:latin typeface="Cambria Math" panose="02040503050406030204" pitchFamily="18" charset="0"/>
+                            </a:rPr>
                           </m:ctrlPr>
                         </m:fPr>
                         <m:num>
                           <m:r>
-                            <a:rPr lang="en-US" sz="3333"/>
+                            <a:rPr lang="en-US" sz="3333">
+                              <a:latin typeface="Cambria Math" panose="02040503050406030204" pitchFamily="18" charset="0"/>
+                            </a:rPr>
                             <m:t>−1</m:t>
                           </m:r>
                         </m:num>
@@ -3721,7 +3751,9 @@
                             <m:rPr>
                               <m:sty m:val="p"/>
                             </m:rPr>
-                            <a:rPr lang="en-US" sz="3333"/>
+                            <a:rPr lang="en-US" sz="3333">
+                              <a:latin typeface="Cambria Math" panose="02040503050406030204" pitchFamily="18" charset="0"/>
+                            </a:rPr>
                             <m:t>n</m:t>
                           </m:r>
                         </m:den>
@@ -3730,7 +3762,9 @@
                         <m:naryPr>
                           <m:chr m:val="∑"/>
                           <m:ctrlPr>
-                            <a:rPr lang="en-US" sz="3333"/>
+                            <a:rPr lang="en-US" sz="3333" i="1">
+                              <a:latin typeface="Cambria Math" panose="02040503050406030204" pitchFamily="18" charset="0"/>
+                            </a:rPr>
                           </m:ctrlPr>
                         </m:naryPr>
                         <m:sub>
@@ -3738,11 +3772,15 @@
                             <m:rPr>
                               <m:sty m:val="p"/>
                             </m:rPr>
-                            <a:rPr lang="en-US" sz="3333"/>
+                            <a:rPr lang="en-US" sz="3333">
+                              <a:latin typeface="Cambria Math" panose="02040503050406030204" pitchFamily="18" charset="0"/>
+                            </a:rPr>
                             <m:t>i</m:t>
                           </m:r>
                           <m:r>
-                            <a:rPr lang="en-US" sz="3333"/>
+                            <a:rPr lang="en-US" sz="3333">
+                              <a:latin typeface="Cambria Math" panose="02040503050406030204" pitchFamily="18" charset="0"/>
+                            </a:rPr>
                             <m:t>=1</m:t>
                           </m:r>
                         </m:sub>
@@ -3751,7 +3789,9 @@
                             <m:rPr>
                               <m:sty m:val="p"/>
                             </m:rPr>
-                            <a:rPr lang="en-US" sz="3333"/>
+                            <a:rPr lang="en-US" sz="3333">
+                              <a:latin typeface="Cambria Math" panose="02040503050406030204" pitchFamily="18" charset="0"/>
+                            </a:rPr>
                             <m:t>n</m:t>
                           </m:r>
                         </m:sup>
@@ -3759,23 +3799,31 @@
                           <m:d>
                             <m:dPr>
                               <m:ctrlPr>
-                                <a:rPr lang="en-US" sz="3333"/>
+                                <a:rPr lang="en-US" sz="3333" i="1">
+                                  <a:latin typeface="Cambria Math" panose="02040503050406030204" pitchFamily="18" charset="0"/>
+                                </a:rPr>
                               </m:ctrlPr>
                             </m:dPr>
                             <m:e>
                               <m:r>
-                                <a:rPr lang="en-US" sz="3333"/>
+                                <a:rPr lang="en-US" sz="3333">
+                                  <a:latin typeface="Cambria Math" panose="02040503050406030204" pitchFamily="18" charset="0"/>
+                                </a:rPr>
                                 <m:t>2</m:t>
                               </m:r>
                               <m:r>
                                 <m:rPr>
                                   <m:sty m:val="p"/>
                                 </m:rPr>
-                                <a:rPr lang="en-US" sz="3333"/>
+                                <a:rPr lang="en-US" sz="3333">
+                                  <a:latin typeface="Cambria Math" panose="02040503050406030204" pitchFamily="18" charset="0"/>
+                                </a:rPr>
                                 <m:t>i</m:t>
                               </m:r>
                               <m:r>
-                                <a:rPr lang="en-US" sz="3333"/>
+                                <a:rPr lang="en-US" sz="3333">
+                                  <a:latin typeface="Cambria Math" panose="02040503050406030204" pitchFamily="18" charset="0"/>
+                                </a:rPr>
                                 <m:t>−1</m:t>
                               </m:r>
                             </m:e>
@@ -3785,14 +3833,18 @@
                               <m:begChr m:val="["/>
                               <m:endChr m:val="]"/>
                               <m:ctrlPr>
-                                <a:rPr lang="en-US" sz="3333"/>
+                                <a:rPr lang="en-US" sz="3333" i="1">
+                                  <a:latin typeface="Cambria Math" panose="02040503050406030204" pitchFamily="18" charset="0"/>
+                                </a:rPr>
                               </m:ctrlPr>
                             </m:dPr>
                             <m:e>
                               <m:func>
                                 <m:funcPr>
                                   <m:ctrlPr>
-                                    <a:rPr lang="en-US" sz="3333"/>
+                                    <a:rPr lang="en-US" sz="3333" i="1">
+                                      <a:latin typeface="Cambria Math" panose="02040503050406030204" pitchFamily="18" charset="0"/>
+                                    </a:rPr>
                                   </m:ctrlPr>
                                 </m:funcPr>
                                 <m:fName>
@@ -3800,7 +3852,9 @@
                                     <m:rPr>
                                       <m:sty m:val="p"/>
                                     </m:rPr>
-                                    <a:rPr lang="en-US" sz="3333"/>
+                                    <a:rPr lang="en-US" sz="3333">
+                                      <a:latin typeface="Cambria Math" panose="02040503050406030204" pitchFamily="18" charset="0"/>
+                                    </a:rPr>
                                     <m:t>ln</m:t>
                                   </m:r>
                                 </m:fName>
@@ -3808,7 +3862,9 @@
                                   <m:d>
                                     <m:dPr>
                                       <m:ctrlPr>
-                                        <a:rPr lang="en-US" sz="3333"/>
+                                        <a:rPr lang="en-US" sz="3333" i="1">
+                                          <a:latin typeface="Cambria Math" panose="02040503050406030204" pitchFamily="18" charset="0"/>
+                                        </a:rPr>
                                       </m:ctrlPr>
                                     </m:dPr>
                                     <m:e>
@@ -3816,7 +3872,9 @@
                                         <m:rPr>
                                           <m:sty m:val="p"/>
                                         </m:rPr>
-                                        <a:rPr lang="en-US" sz="3333"/>
+                                        <a:rPr lang="en-US" sz="3333">
+                                          <a:latin typeface="Cambria Math" panose="02040503050406030204" pitchFamily="18" charset="0"/>
+                                        </a:rPr>
                                         <m:t>Z</m:t>
                                       </m:r>
                                       <m:d>
@@ -3824,7 +3882,9 @@
                                           <m:begChr m:val="["/>
                                           <m:endChr m:val="]"/>
                                           <m:ctrlPr>
-                                            <a:rPr lang="en-US" sz="3333"/>
+                                            <a:rPr lang="en-US" sz="3333" i="1">
+                                              <a:latin typeface="Cambria Math" panose="02040503050406030204" pitchFamily="18" charset="0"/>
+                                            </a:rPr>
                                           </m:ctrlPr>
                                         </m:dPr>
                                         <m:e>
@@ -3832,7 +3892,9 @@
                                             <m:rPr>
                                               <m:sty m:val="p"/>
                                             </m:rPr>
-                                            <a:rPr lang="en-US" sz="3333"/>
+                                            <a:rPr lang="en-US" sz="3333">
+                                              <a:latin typeface="Cambria Math" panose="02040503050406030204" pitchFamily="18" charset="0"/>
+                                            </a:rPr>
                                             <m:t>i</m:t>
                                           </m:r>
                                         </m:e>
@@ -3842,13 +3904,17 @@
                                 </m:e>
                               </m:func>
                               <m:r>
-                                <a:rPr lang="en-US" sz="3333"/>
+                                <a:rPr lang="en-US" sz="3333">
+                                  <a:latin typeface="Cambria Math" panose="02040503050406030204" pitchFamily="18" charset="0"/>
+                                </a:rPr>
                                 <m:t>+</m:t>
                               </m:r>
                               <m:func>
                                 <m:funcPr>
                                   <m:ctrlPr>
-                                    <a:rPr lang="en-US" sz="3333"/>
+                                    <a:rPr lang="en-US" sz="3333" i="1">
+                                      <a:latin typeface="Cambria Math" panose="02040503050406030204" pitchFamily="18" charset="0"/>
+                                    </a:rPr>
                                   </m:ctrlPr>
                                 </m:funcPr>
                                 <m:fName>
@@ -3856,7 +3922,9 @@
                                     <m:rPr>
                                       <m:sty m:val="p"/>
                                     </m:rPr>
-                                    <a:rPr lang="en-US" sz="3333"/>
+                                    <a:rPr lang="en-US" sz="3333">
+                                      <a:latin typeface="Cambria Math" panose="02040503050406030204" pitchFamily="18" charset="0"/>
+                                    </a:rPr>
                                     <m:t>ln</m:t>
                                   </m:r>
                                 </m:fName>
@@ -3864,19 +3932,25 @@
                                   <m:d>
                                     <m:dPr>
                                       <m:ctrlPr>
-                                        <a:rPr lang="en-US" sz="3333"/>
+                                        <a:rPr lang="en-US" sz="3333" i="1">
+                                          <a:latin typeface="Cambria Math" panose="02040503050406030204" pitchFamily="18" charset="0"/>
+                                        </a:rPr>
                                       </m:ctrlPr>
                                     </m:dPr>
                                     <m:e>
                                       <m:r>
-                                        <a:rPr lang="en-US" sz="3333"/>
+                                        <a:rPr lang="en-US" sz="3333">
+                                          <a:latin typeface="Cambria Math" panose="02040503050406030204" pitchFamily="18" charset="0"/>
+                                        </a:rPr>
                                         <m:t>1−</m:t>
                                       </m:r>
                                       <m:r>
                                         <m:rPr>
                                           <m:sty m:val="p"/>
                                         </m:rPr>
-                                        <a:rPr lang="en-US" sz="3333"/>
+                                        <a:rPr lang="en-US" sz="3333">
+                                          <a:latin typeface="Cambria Math" panose="02040503050406030204" pitchFamily="18" charset="0"/>
+                                        </a:rPr>
                                         <m:t>Z</m:t>
                                       </m:r>
                                       <m:d>
@@ -3884,7 +3958,9 @@
                                           <m:begChr m:val="["/>
                                           <m:endChr m:val="]"/>
                                           <m:ctrlPr>
-                                            <a:rPr lang="en-US" sz="3333"/>
+                                            <a:rPr lang="en-US" sz="3333" i="1">
+                                              <a:latin typeface="Cambria Math" panose="02040503050406030204" pitchFamily="18" charset="0"/>
+                                            </a:rPr>
                                           </m:ctrlPr>
                                         </m:dPr>
                                         <m:e>
@@ -3892,18 +3968,24 @@
                                             <m:rPr>
                                               <m:sty m:val="p"/>
                                             </m:rPr>
-                                            <a:rPr lang="en-US" sz="3333"/>
+                                            <a:rPr lang="en-US" sz="3333">
+                                              <a:latin typeface="Cambria Math" panose="02040503050406030204" pitchFamily="18" charset="0"/>
+                                            </a:rPr>
                                             <m:t>n</m:t>
                                           </m:r>
                                           <m:r>
-                                            <a:rPr lang="en-US" sz="3333"/>
+                                            <a:rPr lang="en-US" sz="3333">
+                                              <a:latin typeface="Cambria Math" panose="02040503050406030204" pitchFamily="18" charset="0"/>
+                                            </a:rPr>
                                             <m:t>+1−</m:t>
                                           </m:r>
                                           <m:r>
                                             <m:rPr>
                                               <m:sty m:val="p"/>
                                             </m:rPr>
-                                            <a:rPr lang="en-US" sz="3333"/>
+                                            <a:rPr lang="en-US" sz="3333">
+                                              <a:latin typeface="Cambria Math" panose="02040503050406030204" pitchFamily="18" charset="0"/>
+                                            </a:rPr>
                                             <m:t>i</m:t>
                                           </m:r>
                                         </m:e>
@@ -3917,14 +3999,18 @@
                         </m:e>
                       </m:nary>
                       <m:r>
-                        <a:rPr lang="en-US" sz="3333"/>
+                        <a:rPr lang="en-US" sz="3333">
+                          <a:latin typeface="Cambria Math" panose="02040503050406030204" pitchFamily="18" charset="0"/>
+                        </a:rPr>
                         <m:t>−</m:t>
                       </m:r>
                       <m:r>
                         <m:rPr>
                           <m:sty m:val="p"/>
                         </m:rPr>
-                        <a:rPr lang="en-US" sz="3333"/>
+                        <a:rPr lang="en-US" sz="3333">
+                          <a:latin typeface="Cambria Math" panose="02040503050406030204" pitchFamily="18" charset="0"/>
+                        </a:rPr>
                         <m:t>n</m:t>
                       </m:r>
                     </m:oMath>
@@ -3950,7 +4036,9 @@
                     <m:sSubSup>
                       <m:sSubSupPr>
                         <m:ctrlPr>
-                          <a:rPr lang="en-US" sz="3600"/>
+                          <a:rPr lang="en-US" sz="3600" i="1">
+                            <a:latin typeface="Cambria Math" panose="02040503050406030204" pitchFamily="18" charset="0"/>
+                          </a:rPr>
                         </m:ctrlPr>
                       </m:sSubSupPr>
                       <m:e>
@@ -3958,31 +4046,41 @@
                           <m:rPr>
                             <m:sty m:val="p"/>
                           </m:rPr>
-                          <a:rPr lang="en-US" sz="3600"/>
+                          <a:rPr lang="en-US" sz="3600">
+                            <a:latin typeface="Cambria Math" panose="02040503050406030204" pitchFamily="18" charset="0"/>
+                          </a:rPr>
                           <m:t>A</m:t>
                         </m:r>
                       </m:e>
                       <m:sub>
                         <m:r>
-                          <a:rPr lang="en-US" sz="3600"/>
+                          <a:rPr lang="en-US" sz="3600">
+                            <a:latin typeface="Cambria Math" panose="02040503050406030204" pitchFamily="18" charset="0"/>
+                          </a:rPr>
                           <m:t>∗</m:t>
                         </m:r>
                       </m:sub>
                       <m:sup>
                         <m:r>
-                          <a:rPr lang="en-US" sz="3600"/>
+                          <a:rPr lang="en-US" sz="3600">
+                            <a:latin typeface="Cambria Math" panose="02040503050406030204" pitchFamily="18" charset="0"/>
+                          </a:rPr>
                           <m:t>2</m:t>
                         </m:r>
                       </m:sup>
                     </m:sSubSup>
                     <m:r>
-                      <a:rPr lang="en-US" sz="3600"/>
+                      <a:rPr lang="en-US" sz="3600">
+                        <a:latin typeface="Cambria Math" panose="02040503050406030204" pitchFamily="18" charset="0"/>
+                      </a:rPr>
                       <m:t>=</m:t>
                     </m:r>
                     <m:sSup>
                       <m:sSupPr>
                         <m:ctrlPr>
-                          <a:rPr lang="en-US" sz="3600"/>
+                          <a:rPr lang="en-US" sz="3600" i="1">
+                            <a:latin typeface="Cambria Math" panose="02040503050406030204" pitchFamily="18" charset="0"/>
+                          </a:rPr>
                         </m:ctrlPr>
                       </m:sSupPr>
                       <m:e>
@@ -3990,13 +4088,17 @@
                           <m:rPr>
                             <m:sty m:val="p"/>
                           </m:rPr>
-                          <a:rPr lang="en-US" sz="3600"/>
+                          <a:rPr lang="en-US" sz="3600">
+                            <a:latin typeface="Cambria Math" panose="02040503050406030204" pitchFamily="18" charset="0"/>
+                          </a:rPr>
                           <m:t>A</m:t>
                         </m:r>
                       </m:e>
                       <m:sup>
                         <m:r>
-                          <a:rPr lang="en-US" sz="3600"/>
+                          <a:rPr lang="en-US" sz="3600">
+                            <a:latin typeface="Cambria Math" panose="02040503050406030204" pitchFamily="18" charset="0"/>
+                          </a:rPr>
                           <m:t>2</m:t>
                         </m:r>
                       </m:sup>
@@ -4004,7 +4106,9 @@
                     <m:d>
                       <m:dPr>
                         <m:ctrlPr>
-                          <a:rPr lang="en-US" sz="3600"/>
+                          <a:rPr lang="en-US" sz="3600" i="1">
+                            <a:latin typeface="Cambria Math" panose="02040503050406030204" pitchFamily="18" charset="0"/>
+                          </a:rPr>
                         </m:ctrlPr>
                       </m:dPr>
                       <m:e>
@@ -4012,7 +4116,9 @@
                           <m:rPr>
                             <m:sty m:val="p"/>
                           </m:rPr>
-                          <a:rPr lang="en-US" sz="3600"/>
+                          <a:rPr lang="en-US" sz="3600">
+                            <a:latin typeface="Cambria Math" panose="02040503050406030204" pitchFamily="18" charset="0"/>
+                          </a:rPr>
                           <m:t>Z</m:t>
                         </m:r>
                       </m:e>
@@ -4020,43 +4126,57 @@
                     <m:d>
                       <m:dPr>
                         <m:ctrlPr>
-                          <a:rPr lang="en-US" sz="3600"/>
+                          <a:rPr lang="en-US" sz="3600" i="1">
+                            <a:latin typeface="Cambria Math" panose="02040503050406030204" pitchFamily="18" charset="0"/>
+                          </a:rPr>
                         </m:ctrlPr>
                       </m:dPr>
                       <m:e>
                         <m:r>
-                          <a:rPr lang="en-US" sz="3600"/>
+                          <a:rPr lang="en-US" sz="3600">
+                            <a:latin typeface="Cambria Math" panose="02040503050406030204" pitchFamily="18" charset="0"/>
+                          </a:rPr>
                           <m:t>1+4</m:t>
                         </m:r>
                         <m:r>
                           <m:rPr>
                             <m:lit/>
                           </m:rPr>
-                          <a:rPr lang="en-US" sz="3600"/>
+                          <a:rPr lang="en-US" sz="3600">
+                            <a:latin typeface="Cambria Math" panose="02040503050406030204" pitchFamily="18" charset="0"/>
+                          </a:rPr>
                           <m:t>/</m:t>
                         </m:r>
                         <m:r>
                           <m:rPr>
                             <m:sty m:val="p"/>
                           </m:rPr>
-                          <a:rPr lang="en-US" sz="3600"/>
+                          <a:rPr lang="en-US" sz="3600">
+                            <a:latin typeface="Cambria Math" panose="02040503050406030204" pitchFamily="18" charset="0"/>
+                          </a:rPr>
                           <m:t>n</m:t>
                         </m:r>
                         <m:r>
-                          <a:rPr lang="en-US" sz="3600"/>
+                          <a:rPr lang="en-US" sz="3600">
+                            <a:latin typeface="Cambria Math" panose="02040503050406030204" pitchFamily="18" charset="0"/>
+                          </a:rPr>
                           <m:t>−25</m:t>
                         </m:r>
                         <m:r>
                           <m:rPr>
                             <m:lit/>
                           </m:rPr>
-                          <a:rPr lang="en-US" sz="3600"/>
+                          <a:rPr lang="en-US" sz="3600">
+                            <a:latin typeface="Cambria Math" panose="02040503050406030204" pitchFamily="18" charset="0"/>
+                          </a:rPr>
                           <m:t>/</m:t>
                         </m:r>
                         <m:sSup>
                           <m:sSupPr>
                             <m:ctrlPr>
-                              <a:rPr lang="en-US" sz="3600"/>
+                              <a:rPr lang="en-US" sz="3600" i="1">
+                                <a:latin typeface="Cambria Math" panose="02040503050406030204" pitchFamily="18" charset="0"/>
+                              </a:rPr>
                             </m:ctrlPr>
                           </m:sSupPr>
                           <m:e>
@@ -4064,13 +4184,17 @@
                               <m:rPr>
                                 <m:sty m:val="p"/>
                               </m:rPr>
-                              <a:rPr lang="en-US" sz="3600"/>
+                              <a:rPr lang="en-US" sz="3600">
+                                <a:latin typeface="Cambria Math" panose="02040503050406030204" pitchFamily="18" charset="0"/>
+                              </a:rPr>
                               <m:t>n</m:t>
                             </m:r>
                           </m:e>
                           <m:sup>
                             <m:r>
-                              <a:rPr lang="en-US" sz="3600"/>
+                              <a:rPr lang="en-US" sz="3600">
+                                <a:latin typeface="Cambria Math" panose="02040503050406030204" pitchFamily="18" charset="0"/>
+                              </a:rPr>
                               <m:t>2</m:t>
                             </m:r>
                           </m:sup>
@@ -4092,39 +4216,52 @@
                 </a:r>
                 <a14:m>
                   <m:oMath xmlns:m="http://schemas.openxmlformats.org/officeDocument/2006/math">
-                    <m:sSup>
-                      <m:sSupPr>
+                    <m:sSubSup>
+                      <m:sSubSupPr>
                         <m:ctrlPr>
-                          <a:rPr lang="en-US" sz="3333" i="1">
+                          <a:rPr lang="en-US" sz="3333" b="1" i="1" smtClean="0">
                             <a:latin typeface="Cambria Math" panose="02040503050406030204" pitchFamily="18" charset="0"/>
                           </a:rPr>
                         </m:ctrlPr>
-                      </m:sSupPr>
+                      </m:sSubSupPr>
                       <m:e>
                         <m:r>
-                          <m:rPr>
-                            <m:sty m:val="p"/>
-                          </m:rPr>
-                          <a:rPr lang="en-US" sz="3333">
+                          <a:rPr lang="en-US" sz="3333" b="1" i="1" smtClean="0">
                             <a:latin typeface="Cambria Math" panose="02040503050406030204" pitchFamily="18" charset="0"/>
                           </a:rPr>
-                          <m:t>A</m:t>
+                          <m:t>𝑨</m:t>
                         </m:r>
                       </m:e>
+                      <m:sub>
+                        <m:r>
+                          <a:rPr lang="en-US" sz="3333" b="1" i="1" smtClean="0">
+                            <a:latin typeface="Cambria Math" panose="02040503050406030204" pitchFamily="18" charset="0"/>
+                          </a:rPr>
+                          <m:t>∗</m:t>
+                        </m:r>
+                      </m:sub>
                       <m:sup>
                         <m:r>
-                          <a:rPr lang="en-US" sz="3333">
+                          <a:rPr lang="en-US" sz="3333" b="1" i="1" smtClean="0">
                             <a:latin typeface="Cambria Math" panose="02040503050406030204" pitchFamily="18" charset="0"/>
                           </a:rPr>
-                          <m:t>2</m:t>
+                          <m:t>𝟐</m:t>
                         </m:r>
                       </m:sup>
-                    </m:sSup>
+                    </m:sSubSup>
                   </m:oMath>
                 </a14:m>
                 <a:r>
                   <a:rPr lang="en-US" sz="3333" dirty="0"/>
-                  <a:t> ∗ (Z) is in the range of non-critical values at confidence level α, then accept H0, keep the original center, and discard {c1, c2}. Otherwise, reject H0 and keep {c1, c2} in place of the original center</a:t>
+                  <a:t>(Z) is in the range of non-critical values at </a:t>
+                </a:r>
+                <a:r>
+                  <a:rPr lang="en-US" sz="3333" b="1" dirty="0"/>
+                  <a:t>confidence level α</a:t>
+                </a:r>
+                <a:r>
+                  <a:rPr lang="en-US" sz="3333" dirty="0"/>
+                  <a:t>, then accept H0, keep the original center, and discard {c1, c2}. Otherwise, reject H0 and keep {c1, c2} in place of the original center</a:t>
                 </a:r>
               </a:p>
               <a:p>
@@ -4134,7 +4271,11 @@
                 </a:pPr>
                 <a:r>
                   <a:rPr lang="en-US" sz="3333" dirty="0"/>
-                  <a:t>Repeat above process till all the clusters are Gaussian</a:t>
+                  <a:t>Repeat above process till all the clusters are </a:t>
+                </a:r>
+                <a:r>
+                  <a:rPr lang="en-US" sz="3333" b="1" dirty="0"/>
+                  <a:t>Gaussian</a:t>
                 </a:r>
               </a:p>
             </p:txBody>
@@ -4160,7 +4301,7 @@
               <a:blipFill>
                 <a:blip r:embed="rId5"/>
                 <a:stretch>
-                  <a:fillRect l="-960" t="-832" r="-1521" b="-1456"/>
+                  <a:fillRect l="-960" t="-832" r="-1521" b="-832"/>
                 </a:stretch>
               </a:blipFill>
             </p:spPr>
@@ -5140,6 +5281,24 @@
 </file>
 
 <file path=customXml/item1.xml><?xml version="1.0" encoding="utf-8"?>
+<p:properties xmlns:p="http://schemas.microsoft.com/office/2006/metadata/properties" xmlns:xsi="http://www.w3.org/2001/XMLSchema-instance" xmlns:pc="http://schemas.microsoft.com/office/infopath/2007/PartnerControls">
+  <documentManagement>
+    <_Version xmlns="http://schemas.microsoft.com/sharepoint/v3/fields" xsi:nil="true"/>
+    <_Status xmlns="http://schemas.microsoft.com/sharepoint/v3/fields">Not Started</_Status>
+  </documentManagement>
+</p:properties>
+</file>
+
+<file path=customXml/item2.xml><?xml version="1.0" encoding="utf-8"?>
+<?mso-contentType ?>
+<FormTemplates xmlns="http://schemas.microsoft.com/sharepoint/v3/contenttype/forms">
+  <Display>DocumentLibraryForm</Display>
+  <Edit>DocumentLibraryForm</Edit>
+  <New>DocumentLibraryForm</New>
+</FormTemplates>
+</file>
+
+<file path=customXml/item3.xml><?xml version="1.0" encoding="utf-8"?>
 <ct:contentTypeSchema xmlns:ct="http://schemas.microsoft.com/office/2006/metadata/contentType" xmlns:ma="http://schemas.microsoft.com/office/2006/metadata/properties/metaAttributes" ct:_="" ma:_="" ma:contentTypeName="Document" ma:contentTypeID="0x0101000DE64AEEDD9B7A4D93545ACBE97D4615" ma:contentTypeVersion="2" ma:contentTypeDescription="Create a new document." ma:contentTypeScope="" ma:versionID="f49002b78e3a4a71b814eef46a983816">
   <xsd:schema xmlns:xsd="http://www.w3.org/2001/XMLSchema" xmlns:xs="http://www.w3.org/2001/XMLSchema" xmlns:p="http://schemas.microsoft.com/office/2006/metadata/properties" xmlns:ns2="http://schemas.microsoft.com/sharepoint/v3/fields" targetNamespace="http://schemas.microsoft.com/office/2006/metadata/properties" ma:root="true" ma:fieldsID="38f6db2dd0d9a0cf6a8dc37be32b365b" ns2:_="">
     <xsd:import namespace="http://schemas.microsoft.com/sharepoint/v3/fields"/>
@@ -5283,25 +5442,31 @@
 </ct:contentTypeSchema>
 </file>
 
-<file path=customXml/item2.xml><?xml version="1.0" encoding="utf-8"?>
-<?mso-contentType ?>
-<FormTemplates xmlns="http://schemas.microsoft.com/sharepoint/v3/contenttype/forms">
-  <Display>DocumentLibraryForm</Display>
-  <Edit>DocumentLibraryForm</Edit>
-  <New>DocumentLibraryForm</New>
-</FormTemplates>
+<file path=customXml/itemProps1.xml><?xml version="1.0" encoding="utf-8"?>
+<ds:datastoreItem xmlns:ds="http://schemas.openxmlformats.org/officeDocument/2006/customXml" ds:itemID="{7B6F2769-7194-4217-93D3-3AF3A4742282}">
+  <ds:schemaRefs>
+    <ds:schemaRef ds:uri="http://schemas.microsoft.com/office/2006/metadata/properties"/>
+    <ds:schemaRef ds:uri="http://schemas.microsoft.com/office/infopath/2007/PartnerControls"/>
+    <ds:schemaRef ds:uri="http://www.w3.org/XML/1998/namespace"/>
+    <ds:schemaRef ds:uri="http://schemas.microsoft.com/sharepoint/v3/fields"/>
+    <ds:schemaRef ds:uri="http://purl.org/dc/dcmitype/"/>
+    <ds:schemaRef ds:uri="http://purl.org/dc/terms/"/>
+    <ds:schemaRef ds:uri="http://purl.org/dc/elements/1.1/"/>
+    <ds:schemaRef ds:uri="http://schemas.microsoft.com/office/2006/documentManagement/types"/>
+    <ds:schemaRef ds:uri="http://schemas.openxmlformats.org/package/2006/metadata/core-properties"/>
+  </ds:schemaRefs>
+</ds:datastoreItem>
 </file>
 
-<file path=customXml/item3.xml><?xml version="1.0" encoding="utf-8"?>
-<p:properties xmlns:p="http://schemas.microsoft.com/office/2006/metadata/properties" xmlns:xsi="http://www.w3.org/2001/XMLSchema-instance" xmlns:pc="http://schemas.microsoft.com/office/infopath/2007/PartnerControls">
-  <documentManagement>
-    <_Version xmlns="http://schemas.microsoft.com/sharepoint/v3/fields" xsi:nil="true"/>
-    <_Status xmlns="http://schemas.microsoft.com/sharepoint/v3/fields">Not Started</_Status>
-  </documentManagement>
-</p:properties>
+<file path=customXml/itemProps2.xml><?xml version="1.0" encoding="utf-8"?>
+<ds:datastoreItem xmlns:ds="http://schemas.openxmlformats.org/officeDocument/2006/customXml" ds:itemID="{87D2A1B0-FF3E-4009-940D-AED0EB70AA20}">
+  <ds:schemaRefs>
+    <ds:schemaRef ds:uri="http://schemas.microsoft.com/sharepoint/v3/contenttype/forms"/>
+  </ds:schemaRefs>
+</ds:datastoreItem>
 </file>
 
-<file path=customXml/itemProps1.xml><?xml version="1.0" encoding="utf-8"?>
+<file path=customXml/itemProps3.xml><?xml version="1.0" encoding="utf-8"?>
 <ds:datastoreItem xmlns:ds="http://schemas.openxmlformats.org/officeDocument/2006/customXml" ds:itemID="{E4214858-785C-42F7-BE66-6D0E79395FC8}">
   <ds:schemaRefs>
     <ds:schemaRef ds:uri="http://schemas.microsoft.com/office/2006/metadata/contentType"/>
@@ -5317,28 +5482,4 @@
     <ds:schemaRef ds:uri="http://schemas.microsoft.com/internal/obd"/>
   </ds:schemaRefs>
 </ds:datastoreItem>
-</file>
-
-<file path=customXml/itemProps2.xml><?xml version="1.0" encoding="utf-8"?>
-<ds:datastoreItem xmlns:ds="http://schemas.openxmlformats.org/officeDocument/2006/customXml" ds:itemID="{87D2A1B0-FF3E-4009-940D-AED0EB70AA20}">
-  <ds:schemaRefs>
-    <ds:schemaRef ds:uri="http://schemas.microsoft.com/sharepoint/v3/contenttype/forms"/>
-  </ds:schemaRefs>
-</ds:datastoreItem>
-</file>
-
-<file path=customXml/itemProps3.xml><?xml version="1.0" encoding="utf-8"?>
-<ds:datastoreItem xmlns:ds="http://schemas.openxmlformats.org/officeDocument/2006/customXml" ds:itemID="{7B6F2769-7194-4217-93D3-3AF3A4742282}">
-  <ds:schemaRefs>
-    <ds:schemaRef ds:uri="http://schemas.microsoft.com/office/2006/metadata/properties"/>
-    <ds:schemaRef ds:uri="http://schemas.microsoft.com/office/infopath/2007/PartnerControls"/>
-    <ds:schemaRef ds:uri="http://www.w3.org/XML/1998/namespace"/>
-    <ds:schemaRef ds:uri="http://schemas.microsoft.com/sharepoint/v3/fields"/>
-    <ds:schemaRef ds:uri="http://purl.org/dc/dcmitype/"/>
-    <ds:schemaRef ds:uri="http://purl.org/dc/terms/"/>
-    <ds:schemaRef ds:uri="http://purl.org/dc/elements/1.1/"/>
-    <ds:schemaRef ds:uri="http://schemas.microsoft.com/office/2006/documentManagement/types"/>
-    <ds:schemaRef ds:uri="http://schemas.openxmlformats.org/package/2006/metadata/core-properties"/>
-  </ds:schemaRefs>
-</ds:datastoreItem>
 </file>
--- a/Poster.pptx
+++ b/Poster.pptx
@@ -208,7 +208,7 @@
           <a:p>
             <a:fld id="{CF7263C8-1F4A-D143-B9CC-F49476357AC0}" type="datetimeFigureOut">
               <a:rPr lang="en-US" smtClean="0"/>
-              <a:t>4/19/2018</a:t>
+              <a:t>4/20/2018</a:t>
             </a:fld>
             <a:endParaRPr lang="en-US"/>
           </a:p>
@@ -3141,7 +3141,15 @@
           <a:p>
             <a:r>
               <a:rPr lang="en-US" sz="3333" dirty="0"/>
-              <a:t>Here, we explore an improved algorithm, called G-means, for learning the value of k while clustering</a:t>
+              <a:t>Here, we explore an improved algorithm, called </a:t>
+            </a:r>
+            <a:r>
+              <a:rPr lang="en-US" sz="3333" b="1" dirty="0"/>
+              <a:t>G-means</a:t>
+            </a:r>
+            <a:r>
+              <a:rPr lang="en-US" sz="3333" dirty="0"/>
+              <a:t>, for learning the value of k while clustering</a:t>
             </a:r>
           </a:p>
           <a:p>
@@ -3419,8 +3427,8 @@
           </a:p>
         </p:txBody>
       </p:sp>
-      <mc:AlternateContent xmlns:mc="http://schemas.openxmlformats.org/markup-compatibility/2006">
-        <mc:Choice xmlns:a14="http://schemas.microsoft.com/office/drawing/2010/main" Requires="a14">
+      <mc:AlternateContent xmlns:mc="http://schemas.openxmlformats.org/markup-compatibility/2006" xmlns:a14="http://schemas.microsoft.com/office/drawing/2010/main">
+        <mc:Choice Requires="a14">
           <p:sp>
             <p:nvSpPr>
               <p:cNvPr id="35" name="TextBox 34"/>
@@ -4281,7 +4289,7 @@
             </p:txBody>
           </p:sp>
         </mc:Choice>
-        <mc:Fallback>
+        <mc:Fallback xmlns="">
           <p:sp>
             <p:nvSpPr>
               <p:cNvPr id="35" name="TextBox 34"/>
@@ -5281,24 +5289,6 @@
 </file>
 
 <file path=customXml/item1.xml><?xml version="1.0" encoding="utf-8"?>
-<p:properties xmlns:p="http://schemas.microsoft.com/office/2006/metadata/properties" xmlns:xsi="http://www.w3.org/2001/XMLSchema-instance" xmlns:pc="http://schemas.microsoft.com/office/infopath/2007/PartnerControls">
-  <documentManagement>
-    <_Version xmlns="http://schemas.microsoft.com/sharepoint/v3/fields" xsi:nil="true"/>
-    <_Status xmlns="http://schemas.microsoft.com/sharepoint/v3/fields">Not Started</_Status>
-  </documentManagement>
-</p:properties>
-</file>
-
-<file path=customXml/item2.xml><?xml version="1.0" encoding="utf-8"?>
-<?mso-contentType ?>
-<FormTemplates xmlns="http://schemas.microsoft.com/sharepoint/v3/contenttype/forms">
-  <Display>DocumentLibraryForm</Display>
-  <Edit>DocumentLibraryForm</Edit>
-  <New>DocumentLibraryForm</New>
-</FormTemplates>
-</file>
-
-<file path=customXml/item3.xml><?xml version="1.0" encoding="utf-8"?>
 <ct:contentTypeSchema xmlns:ct="http://schemas.microsoft.com/office/2006/metadata/contentType" xmlns:ma="http://schemas.microsoft.com/office/2006/metadata/properties/metaAttributes" ct:_="" ma:_="" ma:contentTypeName="Document" ma:contentTypeID="0x0101000DE64AEEDD9B7A4D93545ACBE97D4615" ma:contentTypeVersion="2" ma:contentTypeDescription="Create a new document." ma:contentTypeScope="" ma:versionID="f49002b78e3a4a71b814eef46a983816">
   <xsd:schema xmlns:xsd="http://www.w3.org/2001/XMLSchema" xmlns:xs="http://www.w3.org/2001/XMLSchema" xmlns:p="http://schemas.microsoft.com/office/2006/metadata/properties" xmlns:ns2="http://schemas.microsoft.com/sharepoint/v3/fields" targetNamespace="http://schemas.microsoft.com/office/2006/metadata/properties" ma:root="true" ma:fieldsID="38f6db2dd0d9a0cf6a8dc37be32b365b" ns2:_="">
     <xsd:import namespace="http://schemas.microsoft.com/sharepoint/v3/fields"/>
@@ -5442,31 +5432,25 @@
 </ct:contentTypeSchema>
 </file>
 
-<file path=customXml/itemProps1.xml><?xml version="1.0" encoding="utf-8"?>
-<ds:datastoreItem xmlns:ds="http://schemas.openxmlformats.org/officeDocument/2006/customXml" ds:itemID="{7B6F2769-7194-4217-93D3-3AF3A4742282}">
-  <ds:schemaRefs>
-    <ds:schemaRef ds:uri="http://schemas.microsoft.com/office/2006/metadata/properties"/>
-    <ds:schemaRef ds:uri="http://schemas.microsoft.com/office/infopath/2007/PartnerControls"/>
-    <ds:schemaRef ds:uri="http://www.w3.org/XML/1998/namespace"/>
-    <ds:schemaRef ds:uri="http://schemas.microsoft.com/sharepoint/v3/fields"/>
-    <ds:schemaRef ds:uri="http://purl.org/dc/dcmitype/"/>
-    <ds:schemaRef ds:uri="http://purl.org/dc/terms/"/>
-    <ds:schemaRef ds:uri="http://purl.org/dc/elements/1.1/"/>
-    <ds:schemaRef ds:uri="http://schemas.microsoft.com/office/2006/documentManagement/types"/>
-    <ds:schemaRef ds:uri="http://schemas.openxmlformats.org/package/2006/metadata/core-properties"/>
-  </ds:schemaRefs>
-</ds:datastoreItem>
+<file path=customXml/item2.xml><?xml version="1.0" encoding="utf-8"?>
+<?mso-contentType ?>
+<FormTemplates xmlns="http://schemas.microsoft.com/sharepoint/v3/contenttype/forms">
+  <Display>DocumentLibraryForm</Display>
+  <Edit>DocumentLibraryForm</Edit>
+  <New>DocumentLibraryForm</New>
+</FormTemplates>
 </file>
 
-<file path=customXml/itemProps2.xml><?xml version="1.0" encoding="utf-8"?>
-<ds:datastoreItem xmlns:ds="http://schemas.openxmlformats.org/officeDocument/2006/customXml" ds:itemID="{87D2A1B0-FF3E-4009-940D-AED0EB70AA20}">
-  <ds:schemaRefs>
-    <ds:schemaRef ds:uri="http://schemas.microsoft.com/sharepoint/v3/contenttype/forms"/>
-  </ds:schemaRefs>
-</ds:datastoreItem>
+<file path=customXml/item3.xml><?xml version="1.0" encoding="utf-8"?>
+<p:properties xmlns:p="http://schemas.microsoft.com/office/2006/metadata/properties" xmlns:xsi="http://www.w3.org/2001/XMLSchema-instance" xmlns:pc="http://schemas.microsoft.com/office/infopath/2007/PartnerControls">
+  <documentManagement>
+    <_Version xmlns="http://schemas.microsoft.com/sharepoint/v3/fields" xsi:nil="true"/>
+    <_Status xmlns="http://schemas.microsoft.com/sharepoint/v3/fields">Not Started</_Status>
+  </documentManagement>
+</p:properties>
 </file>
 
-<file path=customXml/itemProps3.xml><?xml version="1.0" encoding="utf-8"?>
+<file path=customXml/itemProps1.xml><?xml version="1.0" encoding="utf-8"?>
 <ds:datastoreItem xmlns:ds="http://schemas.openxmlformats.org/officeDocument/2006/customXml" ds:itemID="{E4214858-785C-42F7-BE66-6D0E79395FC8}">
   <ds:schemaRefs>
     <ds:schemaRef ds:uri="http://schemas.microsoft.com/office/2006/metadata/contentType"/>
@@ -5482,4 +5466,28 @@
     <ds:schemaRef ds:uri="http://schemas.microsoft.com/internal/obd"/>
   </ds:schemaRefs>
 </ds:datastoreItem>
+</file>
+
+<file path=customXml/itemProps2.xml><?xml version="1.0" encoding="utf-8"?>
+<ds:datastoreItem xmlns:ds="http://schemas.openxmlformats.org/officeDocument/2006/customXml" ds:itemID="{87D2A1B0-FF3E-4009-940D-AED0EB70AA20}">
+  <ds:schemaRefs>
+    <ds:schemaRef ds:uri="http://schemas.microsoft.com/sharepoint/v3/contenttype/forms"/>
+  </ds:schemaRefs>
+</ds:datastoreItem>
+</file>
+
+<file path=customXml/itemProps3.xml><?xml version="1.0" encoding="utf-8"?>
+<ds:datastoreItem xmlns:ds="http://schemas.openxmlformats.org/officeDocument/2006/customXml" ds:itemID="{7B6F2769-7194-4217-93D3-3AF3A4742282}">
+  <ds:schemaRefs>
+    <ds:schemaRef ds:uri="http://schemas.microsoft.com/office/2006/metadata/properties"/>
+    <ds:schemaRef ds:uri="http://schemas.microsoft.com/office/infopath/2007/PartnerControls"/>
+    <ds:schemaRef ds:uri="http://www.w3.org/XML/1998/namespace"/>
+    <ds:schemaRef ds:uri="http://schemas.microsoft.com/sharepoint/v3/fields"/>
+    <ds:schemaRef ds:uri="http://purl.org/dc/dcmitype/"/>
+    <ds:schemaRef ds:uri="http://purl.org/dc/terms/"/>
+    <ds:schemaRef ds:uri="http://purl.org/dc/elements/1.1/"/>
+    <ds:schemaRef ds:uri="http://schemas.microsoft.com/office/2006/documentManagement/types"/>
+    <ds:schemaRef ds:uri="http://schemas.openxmlformats.org/package/2006/metadata/core-properties"/>
+  </ds:schemaRefs>
+</ds:datastoreItem>
 </file>
--- a/Poster.pptx
+++ b/Poster.pptx
@@ -4509,7 +4509,7 @@
         <p:spPr>
           <a:xfrm>
             <a:off x="10727797" y="17981418"/>
-            <a:ext cx="15204575" cy="1118127"/>
+            <a:ext cx="15204575" cy="1631024"/>
           </a:xfrm>
           <a:prstGeom prst="rect">
             <a:avLst/>
@@ -4533,7 +4533,7 @@
           <a:p>
             <a:r>
               <a:rPr lang="en-US" sz="3333" dirty="0"/>
-              <a:t>	Predicted value of k = 6		Actual Cluster: 5</a:t>
+              <a:t>	 Actual Cluster: 5 		          Predicted value of k = 6		</a:t>
             </a:r>
           </a:p>
         </p:txBody>
@@ -5289,6 +5289,24 @@
 </file>
 
 <file path=customXml/item1.xml><?xml version="1.0" encoding="utf-8"?>
+<p:properties xmlns:p="http://schemas.microsoft.com/office/2006/metadata/properties" xmlns:xsi="http://www.w3.org/2001/XMLSchema-instance" xmlns:pc="http://schemas.microsoft.com/office/infopath/2007/PartnerControls">
+  <documentManagement>
+    <_Version xmlns="http://schemas.microsoft.com/sharepoint/v3/fields" xsi:nil="true"/>
+    <_Status xmlns="http://schemas.microsoft.com/sharepoint/v3/fields">Not Started</_Status>
+  </documentManagement>
+</p:properties>
+</file>
+
+<file path=customXml/item2.xml><?xml version="1.0" encoding="utf-8"?>
+<?mso-contentType ?>
+<FormTemplates xmlns="http://schemas.microsoft.com/sharepoint/v3/contenttype/forms">
+  <Display>DocumentLibraryForm</Display>
+  <Edit>DocumentLibraryForm</Edit>
+  <New>DocumentLibraryForm</New>
+</FormTemplates>
+</file>
+
+<file path=customXml/item3.xml><?xml version="1.0" encoding="utf-8"?>
 <ct:contentTypeSchema xmlns:ct="http://schemas.microsoft.com/office/2006/metadata/contentType" xmlns:ma="http://schemas.microsoft.com/office/2006/metadata/properties/metaAttributes" ct:_="" ma:_="" ma:contentTypeName="Document" ma:contentTypeID="0x0101000DE64AEEDD9B7A4D93545ACBE97D4615" ma:contentTypeVersion="2" ma:contentTypeDescription="Create a new document." ma:contentTypeScope="" ma:versionID="f49002b78e3a4a71b814eef46a983816">
   <xsd:schema xmlns:xsd="http://www.w3.org/2001/XMLSchema" xmlns:xs="http://www.w3.org/2001/XMLSchema" xmlns:p="http://schemas.microsoft.com/office/2006/metadata/properties" xmlns:ns2="http://schemas.microsoft.com/sharepoint/v3/fields" targetNamespace="http://schemas.microsoft.com/office/2006/metadata/properties" ma:root="true" ma:fieldsID="38f6db2dd0d9a0cf6a8dc37be32b365b" ns2:_="">
     <xsd:import namespace="http://schemas.microsoft.com/sharepoint/v3/fields"/>
@@ -5432,25 +5450,31 @@
 </ct:contentTypeSchema>
 </file>
 
-<file path=customXml/item2.xml><?xml version="1.0" encoding="utf-8"?>
-<?mso-contentType ?>
-<FormTemplates xmlns="http://schemas.microsoft.com/sharepoint/v3/contenttype/forms">
-  <Display>DocumentLibraryForm</Display>
-  <Edit>DocumentLibraryForm</Edit>
-  <New>DocumentLibraryForm</New>
-</FormTemplates>
+<file path=customXml/itemProps1.xml><?xml version="1.0" encoding="utf-8"?>
+<ds:datastoreItem xmlns:ds="http://schemas.openxmlformats.org/officeDocument/2006/customXml" ds:itemID="{7B6F2769-7194-4217-93D3-3AF3A4742282}">
+  <ds:schemaRefs>
+    <ds:schemaRef ds:uri="http://purl.org/dc/dcmitype/"/>
+    <ds:schemaRef ds:uri="http://schemas.openxmlformats.org/package/2006/metadata/core-properties"/>
+    <ds:schemaRef ds:uri="http://schemas.microsoft.com/office/2006/metadata/properties"/>
+    <ds:schemaRef ds:uri="http://schemas.microsoft.com/office/2006/documentManagement/types"/>
+    <ds:schemaRef ds:uri="http://purl.org/dc/elements/1.1/"/>
+    <ds:schemaRef ds:uri="http://schemas.microsoft.com/sharepoint/v3/fields"/>
+    <ds:schemaRef ds:uri="http://www.w3.org/XML/1998/namespace"/>
+    <ds:schemaRef ds:uri="http://schemas.microsoft.com/office/infopath/2007/PartnerControls"/>
+    <ds:schemaRef ds:uri="http://purl.org/dc/terms/"/>
+  </ds:schemaRefs>
+</ds:datastoreItem>
 </file>
 
-<file path=customXml/item3.xml><?xml version="1.0" encoding="utf-8"?>
-<p:properties xmlns:p="http://schemas.microsoft.com/office/2006/metadata/properties" xmlns:xsi="http://www.w3.org/2001/XMLSchema-instance" xmlns:pc="http://schemas.microsoft.com/office/infopath/2007/PartnerControls">
-  <documentManagement>
-    <_Version xmlns="http://schemas.microsoft.com/sharepoint/v3/fields" xsi:nil="true"/>
-    <_Status xmlns="http://schemas.microsoft.com/sharepoint/v3/fields">Not Started</_Status>
-  </documentManagement>
-</p:properties>
+<file path=customXml/itemProps2.xml><?xml version="1.0" encoding="utf-8"?>
+<ds:datastoreItem xmlns:ds="http://schemas.openxmlformats.org/officeDocument/2006/customXml" ds:itemID="{87D2A1B0-FF3E-4009-940D-AED0EB70AA20}">
+  <ds:schemaRefs>
+    <ds:schemaRef ds:uri="http://schemas.microsoft.com/sharepoint/v3/contenttype/forms"/>
+  </ds:schemaRefs>
+</ds:datastoreItem>
 </file>
 
-<file path=customXml/itemProps1.xml><?xml version="1.0" encoding="utf-8"?>
+<file path=customXml/itemProps3.xml><?xml version="1.0" encoding="utf-8"?>
 <ds:datastoreItem xmlns:ds="http://schemas.openxmlformats.org/officeDocument/2006/customXml" ds:itemID="{E4214858-785C-42F7-BE66-6D0E79395FC8}">
   <ds:schemaRefs>
     <ds:schemaRef ds:uri="http://schemas.microsoft.com/office/2006/metadata/contentType"/>
@@ -5466,28 +5490,4 @@
     <ds:schemaRef ds:uri="http://schemas.microsoft.com/internal/obd"/>
   </ds:schemaRefs>
 </ds:datastoreItem>
-</file>
-
-<file path=customXml/itemProps2.xml><?xml version="1.0" encoding="utf-8"?>
-<ds:datastoreItem xmlns:ds="http://schemas.openxmlformats.org/officeDocument/2006/customXml" ds:itemID="{87D2A1B0-FF3E-4009-940D-AED0EB70AA20}">
-  <ds:schemaRefs>
-    <ds:schemaRef ds:uri="http://schemas.microsoft.com/sharepoint/v3/contenttype/forms"/>
-  </ds:schemaRefs>
-</ds:datastoreItem>
-</file>
-
-<file path=customXml/itemProps3.xml><?xml version="1.0" encoding="utf-8"?>
-<ds:datastoreItem xmlns:ds="http://schemas.openxmlformats.org/officeDocument/2006/customXml" ds:itemID="{7B6F2769-7194-4217-93D3-3AF3A4742282}">
-  <ds:schemaRefs>
-    <ds:schemaRef ds:uri="http://schemas.microsoft.com/office/2006/metadata/properties"/>
-    <ds:schemaRef ds:uri="http://schemas.microsoft.com/office/infopath/2007/PartnerControls"/>
-    <ds:schemaRef ds:uri="http://www.w3.org/XML/1998/namespace"/>
-    <ds:schemaRef ds:uri="http://schemas.microsoft.com/sharepoint/v3/fields"/>
-    <ds:schemaRef ds:uri="http://purl.org/dc/dcmitype/"/>
-    <ds:schemaRef ds:uri="http://purl.org/dc/terms/"/>
-    <ds:schemaRef ds:uri="http://purl.org/dc/elements/1.1/"/>
-    <ds:schemaRef ds:uri="http://schemas.microsoft.com/office/2006/documentManagement/types"/>
-    <ds:schemaRef ds:uri="http://schemas.openxmlformats.org/package/2006/metadata/core-properties"/>
-  </ds:schemaRefs>
-</ds:datastoreItem>
 </file>